--- a/reference_material/slides/014_bulk_actions.pptx
+++ b/reference_material/slides/014_bulk_actions.pptx
@@ -10,17 +10,20 @@
     <p:sldId id="258" r:id="rId4"/>
     <p:sldId id="259" r:id="rId5"/>
     <p:sldId id="260" r:id="rId6"/>
-    <p:sldId id="261" r:id="rId7"/>
-    <p:sldId id="265" r:id="rId8"/>
-    <p:sldId id="266" r:id="rId9"/>
-    <p:sldId id="267" r:id="rId10"/>
-    <p:sldId id="268" r:id="rId11"/>
-    <p:sldId id="271" r:id="rId12"/>
-    <p:sldId id="263" r:id="rId13"/>
-    <p:sldId id="264" r:id="rId14"/>
-    <p:sldId id="269" r:id="rId15"/>
-    <p:sldId id="262" r:id="rId16"/>
-    <p:sldId id="270" r:id="rId17"/>
+    <p:sldId id="272" r:id="rId7"/>
+    <p:sldId id="261" r:id="rId8"/>
+    <p:sldId id="273" r:id="rId9"/>
+    <p:sldId id="274" r:id="rId10"/>
+    <p:sldId id="265" r:id="rId11"/>
+    <p:sldId id="266" r:id="rId12"/>
+    <p:sldId id="267" r:id="rId13"/>
+    <p:sldId id="268" r:id="rId14"/>
+    <p:sldId id="271" r:id="rId15"/>
+    <p:sldId id="263" r:id="rId16"/>
+    <p:sldId id="264" r:id="rId17"/>
+    <p:sldId id="269" r:id="rId18"/>
+    <p:sldId id="262" r:id="rId19"/>
+    <p:sldId id="270" r:id="rId20"/>
   </p:sldIdLst>
   <p:sldSz cx="12192000" cy="6858000"/>
   <p:notesSz cx="6858000" cy="9144000"/>
@@ -119,6 +122,11 @@
       </a:defRPr>
     </a:lvl9pPr>
   </p:defaultTextStyle>
+  <p:extLst>
+    <p:ext uri="{EFAFB233-063F-42B5-8137-9DF3F51BA10A}">
+      <p15:sldGuideLst xmlns:p15="http://schemas.microsoft.com/office/powerpoint/2012/main"/>
+    </p:ext>
+  </p:extLst>
 </p:presentation>
 </file>
 
@@ -261,7 +269,7 @@
           <a:p>
             <a:fld id="{F63A6D15-DAFF-D04A-B01C-866BE3F3A73A}" type="datetimeFigureOut">
               <a:rPr lang="en-US" smtClean="0"/>
-              <a:t>10/12/23</a:t>
+              <a:t>10/9/24</a:t>
             </a:fld>
             <a:endParaRPr lang="en-US"/>
           </a:p>
@@ -472,7 +480,7 @@
           <a:p>
             <a:fld id="{F63A6D15-DAFF-D04A-B01C-866BE3F3A73A}" type="datetimeFigureOut">
               <a:rPr lang="en-US" smtClean="0"/>
-              <a:t>10/12/23</a:t>
+              <a:t>10/9/24</a:t>
             </a:fld>
             <a:endParaRPr lang="en-US"/>
           </a:p>
@@ -687,7 +695,7 @@
           <a:p>
             <a:fld id="{F63A6D15-DAFF-D04A-B01C-866BE3F3A73A}" type="datetimeFigureOut">
               <a:rPr lang="en-US" smtClean="0"/>
-              <a:t>10/12/23</a:t>
+              <a:t>10/9/24</a:t>
             </a:fld>
             <a:endParaRPr lang="en-US"/>
           </a:p>
@@ -888,7 +896,7 @@
           <a:p>
             <a:fld id="{F63A6D15-DAFF-D04A-B01C-866BE3F3A73A}" type="datetimeFigureOut">
               <a:rPr lang="en-US" smtClean="0"/>
-              <a:t>10/12/23</a:t>
+              <a:t>10/9/24</a:t>
             </a:fld>
             <a:endParaRPr lang="en-US"/>
           </a:p>
@@ -1167,7 +1175,7 @@
           <a:p>
             <a:fld id="{F63A6D15-DAFF-D04A-B01C-866BE3F3A73A}" type="datetimeFigureOut">
               <a:rPr lang="en-US" smtClean="0"/>
-              <a:t>10/12/23</a:t>
+              <a:t>10/9/24</a:t>
             </a:fld>
             <a:endParaRPr lang="en-US"/>
           </a:p>
@@ -1435,7 +1443,7 @@
           <a:p>
             <a:fld id="{F63A6D15-DAFF-D04A-B01C-866BE3F3A73A}" type="datetimeFigureOut">
               <a:rPr lang="en-US" smtClean="0"/>
-              <a:t>10/12/23</a:t>
+              <a:t>10/9/24</a:t>
             </a:fld>
             <a:endParaRPr lang="en-US"/>
           </a:p>
@@ -1851,7 +1859,7 @@
           <a:p>
             <a:fld id="{F63A6D15-DAFF-D04A-B01C-866BE3F3A73A}" type="datetimeFigureOut">
               <a:rPr lang="en-US" smtClean="0"/>
-              <a:t>10/12/23</a:t>
+              <a:t>10/9/24</a:t>
             </a:fld>
             <a:endParaRPr lang="en-US"/>
           </a:p>
@@ -2000,7 +2008,7 @@
           <a:p>
             <a:fld id="{F63A6D15-DAFF-D04A-B01C-866BE3F3A73A}" type="datetimeFigureOut">
               <a:rPr lang="en-US" smtClean="0"/>
-              <a:t>10/12/23</a:t>
+              <a:t>10/9/24</a:t>
             </a:fld>
             <a:endParaRPr lang="en-US"/>
           </a:p>
@@ -2126,7 +2134,7 @@
           <a:p>
             <a:fld id="{F63A6D15-DAFF-D04A-B01C-866BE3F3A73A}" type="datetimeFigureOut">
               <a:rPr lang="en-US" smtClean="0"/>
-              <a:t>10/12/23</a:t>
+              <a:t>10/9/24</a:t>
             </a:fld>
             <a:endParaRPr lang="en-US"/>
           </a:p>
@@ -2377,7 +2385,7 @@
           <a:p>
             <a:fld id="{F63A6D15-DAFF-D04A-B01C-866BE3F3A73A}" type="datetimeFigureOut">
               <a:rPr lang="en-US" smtClean="0"/>
-              <a:t>10/12/23</a:t>
+              <a:t>10/9/24</a:t>
             </a:fld>
             <a:endParaRPr lang="en-US"/>
           </a:p>
@@ -2822,7 +2830,7 @@
           <a:p>
             <a:fld id="{F63A6D15-DAFF-D04A-B01C-866BE3F3A73A}" type="datetimeFigureOut">
               <a:rPr lang="en-US" smtClean="0"/>
-              <a:t>10/12/23</a:t>
+              <a:t>10/9/24</a:t>
             </a:fld>
             <a:endParaRPr lang="en-US"/>
           </a:p>
@@ -3149,7 +3157,7 @@
           <a:p>
             <a:fld id="{F63A6D15-DAFF-D04A-B01C-866BE3F3A73A}" type="datetimeFigureOut">
               <a:rPr lang="en-US" smtClean="0"/>
-              <a:t>10/12/23</a:t>
+              <a:t>10/9/24</a:t>
             </a:fld>
             <a:endParaRPr lang="en-US"/>
           </a:p>
@@ -3682,72 +3690,78 @@
         <p:spPr>
           <a:xfrm>
             <a:off x="1136822" y="1853754"/>
-            <a:ext cx="10083113" cy="3612591"/>
+            <a:ext cx="10083113" cy="4199727"/>
           </a:xfrm>
         </p:spPr>
         <p:txBody>
           <a:bodyPr>
-            <a:normAutofit lnSpcReduction="10000"/>
+            <a:normAutofit/>
           </a:bodyPr>
           <a:lstStyle/>
           <a:p>
-            <a:r>
-              <a:rPr lang="en-US" dirty="0"/>
-              <a:t>Test stuffs:</a:t>
+            <a:endParaRPr lang="en-US" dirty="0"/>
+          </a:p>
+          <a:p>
+            <a:r>
+              <a:rPr lang="en-US" dirty="0"/>
+              <a:t>Today:</a:t>
             </a:r>
           </a:p>
           <a:p>
             <a:pPr lvl="1"/>
             <a:r>
               <a:rPr lang="en-US" dirty="0"/>
-              <a:t>It was probably a little too easy in retrospect, average around 84%. </a:t>
+              <a:t>Doing bulk actions without loops. </a:t>
             </a:r>
           </a:p>
           <a:p>
             <a:pPr lvl="1"/>
             <a:r>
               <a:rPr lang="en-US" dirty="0"/>
-              <a:t>Note – pseudocode doesn’t really need the details like loop counters. Just the key logical actions. </a:t>
+              <a:t>Functions as objects. </a:t>
             </a:r>
           </a:p>
           <a:p>
             <a:pPr lvl="1"/>
             <a:r>
               <a:rPr lang="en-US" dirty="0"/>
-              <a:t>Focus on breaking problems down step-by-step, we’ll do some exercises next week. </a:t>
-            </a:r>
-          </a:p>
-          <a:p>
-            <a:r>
-              <a:rPr lang="en-US" dirty="0"/>
-              <a:t>Last class:</a:t>
+              <a:t>Maybe </a:t>
+            </a:r>
+            <a:r>
+              <a:rPr lang="en-US" dirty="0" err="1"/>
+              <a:t>args</a:t>
+            </a:r>
+            <a:r>
+              <a:rPr lang="en-US" dirty="0"/>
+              <a:t> and </a:t>
+            </a:r>
+            <a:r>
+              <a:rPr lang="en-US" dirty="0" err="1"/>
+              <a:t>kwargs</a:t>
+            </a:r>
+            <a:r>
+              <a:rPr lang="en-US" dirty="0"/>
+              <a:t>, depending on time – it is simple. </a:t>
+            </a:r>
+          </a:p>
+          <a:p>
+            <a:r>
+              <a:rPr lang="en-US" dirty="0"/>
+              <a:t>Next week – inheritance. </a:t>
             </a:r>
           </a:p>
           <a:p>
             <a:pPr lvl="1"/>
             <a:r>
               <a:rPr lang="en-US" dirty="0"/>
-              <a:t>Review array challenge with calendars. </a:t>
-            </a:r>
-          </a:p>
-          <a:p>
-            <a:r>
-              <a:rPr lang="en-US" dirty="0"/>
-              <a:t>Today:</a:t>
+              <a:t>Reread the class/object chapters if the ideas are shaky at all. </a:t>
             </a:r>
           </a:p>
           <a:p>
             <a:pPr lvl="1"/>
             <a:r>
               <a:rPr lang="en-US" dirty="0"/>
-              <a:t>Doing bulk actions without loops. </a:t>
-            </a:r>
-          </a:p>
-          <a:p>
-            <a:pPr lvl="1"/>
-            <a:r>
-              <a:rPr lang="en-US" dirty="0"/>
-              <a:t>Functions as objects. </a:t>
+              <a:t>Ideally, read the inheritance chapter in advance. </a:t>
             </a:r>
           </a:p>
         </p:txBody>
@@ -3787,6 +3801,538 @@
           <p:cNvPr id="2" name="Title 1">
             <a:extLst>
               <a:ext uri="{FF2B5EF4-FFF2-40B4-BE49-F238E27FC236}">
+                <a16:creationId xmlns:a16="http://schemas.microsoft.com/office/drawing/2014/main" id="{62E83184-19BA-DC5B-6D8B-77ADDF7BBAFF}"/>
+              </a:ext>
+            </a:extLst>
+          </p:cNvPr>
+          <p:cNvSpPr>
+            <a:spLocks noGrp="1"/>
+          </p:cNvSpPr>
+          <p:nvPr>
+            <p:ph type="title"/>
+          </p:nvPr>
+        </p:nvSpPr>
+        <p:spPr/>
+        <p:txBody>
+          <a:bodyPr/>
+          <a:lstStyle/>
+          <a:p>
+            <a:r>
+              <a:rPr lang="en-US" dirty="0"/>
+              <a:t>Lambda</a:t>
+            </a:r>
+          </a:p>
+        </p:txBody>
+      </p:sp>
+      <p:sp>
+        <p:nvSpPr>
+          <p:cNvPr id="3" name="Content Placeholder 2">
+            <a:extLst>
+              <a:ext uri="{FF2B5EF4-FFF2-40B4-BE49-F238E27FC236}">
+                <a16:creationId xmlns:a16="http://schemas.microsoft.com/office/drawing/2014/main" id="{EDC82056-9FC9-167D-3ECF-939A06473CF9}"/>
+              </a:ext>
+            </a:extLst>
+          </p:cNvPr>
+          <p:cNvSpPr>
+            <a:spLocks noGrp="1"/>
+          </p:cNvSpPr>
+          <p:nvPr>
+            <p:ph idx="1"/>
+          </p:nvPr>
+        </p:nvSpPr>
+        <p:spPr>
+          <a:xfrm>
+            <a:off x="1451579" y="1853754"/>
+            <a:ext cx="9603275" cy="4199727"/>
+          </a:xfrm>
+        </p:spPr>
+        <p:txBody>
+          <a:bodyPr/>
+          <a:lstStyle/>
+          <a:p>
+            <a:r>
+              <a:rPr lang="en-US" dirty="0"/>
+              <a:t>When using Apply, we can choose any (suitable) function to use. </a:t>
+            </a:r>
+          </a:p>
+          <a:p>
+            <a:r>
+              <a:rPr lang="en-US" dirty="0"/>
+              <a:t>It is common to want to do some smaller things, that may not have a function yet. </a:t>
+            </a:r>
+          </a:p>
+          <a:p>
+            <a:pPr lvl="1"/>
+            <a:r>
+              <a:rPr lang="en-US" dirty="0"/>
+              <a:t>E.g. if we wanted to determine if objects are even or odd. </a:t>
+            </a:r>
+          </a:p>
+          <a:p>
+            <a:pPr lvl="1"/>
+            <a:r>
+              <a:rPr lang="en-US" dirty="0"/>
+              <a:t>This code is small and simple. </a:t>
+            </a:r>
+          </a:p>
+          <a:p>
+            <a:r>
+              <a:rPr lang="en-US" dirty="0"/>
+              <a:t>Lambda functions are a tool that allows us to make small “nameless” functions that we probably only need once. </a:t>
+            </a:r>
+          </a:p>
+          <a:p>
+            <a:pPr lvl="1"/>
+            <a:r>
+              <a:rPr lang="en-US" dirty="0"/>
+              <a:t>Lambda functions are only one line, so they are relatively simple. </a:t>
+            </a:r>
+          </a:p>
+          <a:p>
+            <a:r>
+              <a:rPr lang="en-US" dirty="0"/>
+              <a:t>Can be useful for things like data cleanup – we may want to transform some value in a column of data, but we probably won’t need that action again later. </a:t>
+            </a:r>
+          </a:p>
+        </p:txBody>
+      </p:sp>
+      <p:pic>
+        <p:nvPicPr>
+          <p:cNvPr id="4" name="Picture 3">
+            <a:extLst>
+              <a:ext uri="{FF2B5EF4-FFF2-40B4-BE49-F238E27FC236}">
+                <a16:creationId xmlns:a16="http://schemas.microsoft.com/office/drawing/2014/main" id="{EC0072B3-3525-1E4D-5A21-F5A7CBD21AD2}"/>
+              </a:ext>
+            </a:extLst>
+          </p:cNvPr>
+          <p:cNvPicPr>
+            <a:picLocks noChangeAspect="1"/>
+          </p:cNvPicPr>
+          <p:nvPr/>
+        </p:nvPicPr>
+        <p:blipFill>
+          <a:blip r:embed="rId2"/>
+          <a:stretch>
+            <a:fillRect/>
+          </a:stretch>
+        </p:blipFill>
+        <p:spPr>
+          <a:xfrm>
+            <a:off x="7329510" y="219819"/>
+            <a:ext cx="4262881" cy="1497769"/>
+          </a:xfrm>
+          <a:prstGeom prst="rect">
+            <a:avLst/>
+          </a:prstGeom>
+        </p:spPr>
+      </p:pic>
+    </p:spTree>
+    <p:extLst>
+      <p:ext uri="{BB962C8B-B14F-4D97-AF65-F5344CB8AC3E}">
+        <p14:creationId xmlns:p14="http://schemas.microsoft.com/office/powerpoint/2010/main" val="2248206532"/>
+      </p:ext>
+    </p:extLst>
+  </p:cSld>
+  <p:clrMapOvr>
+    <a:masterClrMapping/>
+  </p:clrMapOvr>
+</p:sld>
+</file>
+
+<file path=ppt/slides/slide11.xml><?xml version="1.0" encoding="utf-8"?>
+<p:sld xmlns:a="http://schemas.openxmlformats.org/drawingml/2006/main" xmlns:r="http://schemas.openxmlformats.org/officeDocument/2006/relationships" xmlns:p="http://schemas.openxmlformats.org/presentationml/2006/main">
+  <p:cSld>
+    <p:spTree>
+      <p:nvGrpSpPr>
+        <p:cNvPr id="1" name=""/>
+        <p:cNvGrpSpPr/>
+        <p:nvPr/>
+      </p:nvGrpSpPr>
+      <p:grpSpPr>
+        <a:xfrm>
+          <a:off x="0" y="0"/>
+          <a:ext cx="0" cy="0"/>
+          <a:chOff x="0" y="0"/>
+          <a:chExt cx="0" cy="0"/>
+        </a:xfrm>
+      </p:grpSpPr>
+      <p:sp>
+        <p:nvSpPr>
+          <p:cNvPr id="2" name="Title 1">
+            <a:extLst>
+              <a:ext uri="{FF2B5EF4-FFF2-40B4-BE49-F238E27FC236}">
+                <a16:creationId xmlns:a16="http://schemas.microsoft.com/office/drawing/2014/main" id="{266F7617-FDC4-1465-6D3E-27DB1755FFCC}"/>
+              </a:ext>
+            </a:extLst>
+          </p:cNvPr>
+          <p:cNvSpPr>
+            <a:spLocks noGrp="1"/>
+          </p:cNvSpPr>
+          <p:nvPr>
+            <p:ph type="title"/>
+          </p:nvPr>
+        </p:nvSpPr>
+        <p:spPr/>
+        <p:txBody>
+          <a:bodyPr/>
+          <a:lstStyle/>
+          <a:p>
+            <a:r>
+              <a:rPr lang="en-US" dirty="0"/>
+              <a:t>Lambda Functions</a:t>
+            </a:r>
+          </a:p>
+        </p:txBody>
+      </p:sp>
+      <p:sp>
+        <p:nvSpPr>
+          <p:cNvPr id="3" name="Content Placeholder 2">
+            <a:extLst>
+              <a:ext uri="{FF2B5EF4-FFF2-40B4-BE49-F238E27FC236}">
+                <a16:creationId xmlns:a16="http://schemas.microsoft.com/office/drawing/2014/main" id="{463B72BD-F2B8-A5EB-F058-C1632D872B0F}"/>
+              </a:ext>
+            </a:extLst>
+          </p:cNvPr>
+          <p:cNvSpPr>
+            <a:spLocks noGrp="1"/>
+          </p:cNvSpPr>
+          <p:nvPr>
+            <p:ph idx="1"/>
+          </p:nvPr>
+        </p:nvSpPr>
+        <p:spPr>
+          <a:xfrm>
+            <a:off x="135925" y="2015732"/>
+            <a:ext cx="6913265" cy="4037749"/>
+          </a:xfrm>
+        </p:spPr>
+        <p:txBody>
+          <a:bodyPr/>
+          <a:lstStyle/>
+          <a:p>
+            <a:r>
+              <a:rPr lang="en-US" dirty="0" err="1"/>
+              <a:t>Lmabda</a:t>
+            </a:r>
+            <a:r>
+              <a:rPr lang="en-US" dirty="0"/>
+              <a:t> functions are defined similarly to apply:</a:t>
+            </a:r>
+          </a:p>
+          <a:p>
+            <a:pPr lvl="1"/>
+            <a:r>
+              <a:rPr lang="en-US" dirty="0"/>
+              <a:t>The arguments are the input data we’re using. </a:t>
+            </a:r>
+          </a:p>
+          <a:p>
+            <a:pPr lvl="1"/>
+            <a:r>
+              <a:rPr lang="en-US" dirty="0"/>
+              <a:t>The expression is the calculation we perform to that data. </a:t>
+            </a:r>
+          </a:p>
+          <a:p>
+            <a:r>
+              <a:rPr lang="en-US" dirty="0"/>
+              <a:t>Here, we’ve stored the function into a variable, so we can reuse it if we want. </a:t>
+            </a:r>
+          </a:p>
+          <a:p>
+            <a:r>
+              <a:rPr lang="en-US" dirty="0"/>
+              <a:t>Really useful if we need to do something simple, but with more logic than something like strip(). </a:t>
+            </a:r>
+          </a:p>
+          <a:p>
+            <a:pPr lvl="1"/>
+            <a:r>
+              <a:rPr lang="en-US" dirty="0"/>
+              <a:t>E.g. apply tax based on some condition. </a:t>
+            </a:r>
+          </a:p>
+          <a:p>
+            <a:pPr lvl="1"/>
+            <a:r>
+              <a:rPr lang="en-US" dirty="0"/>
+              <a:t>Reformat text depending on current format. </a:t>
+            </a:r>
+          </a:p>
+        </p:txBody>
+      </p:sp>
+      <p:pic>
+        <p:nvPicPr>
+          <p:cNvPr id="4" name="Picture 3">
+            <a:extLst>
+              <a:ext uri="{FF2B5EF4-FFF2-40B4-BE49-F238E27FC236}">
+                <a16:creationId xmlns:a16="http://schemas.microsoft.com/office/drawing/2014/main" id="{752D7146-258F-DEFF-2F5F-D653792DED96}"/>
+              </a:ext>
+            </a:extLst>
+          </p:cNvPr>
+          <p:cNvPicPr>
+            <a:picLocks noChangeAspect="1"/>
+          </p:cNvPicPr>
+          <p:nvPr/>
+        </p:nvPicPr>
+        <p:blipFill>
+          <a:blip r:embed="rId2"/>
+          <a:stretch>
+            <a:fillRect/>
+          </a:stretch>
+        </p:blipFill>
+        <p:spPr>
+          <a:xfrm>
+            <a:off x="6845300" y="0"/>
+            <a:ext cx="5346700" cy="2019300"/>
+          </a:xfrm>
+          <a:prstGeom prst="rect">
+            <a:avLst/>
+          </a:prstGeom>
+        </p:spPr>
+      </p:pic>
+      <p:pic>
+        <p:nvPicPr>
+          <p:cNvPr id="3074" name="Picture 2" descr="How to Effectively Use Lambda Functions in Python as a Data Scientist | by  Thomas A Dorfer | Towards Data Science">
+            <a:extLst>
+              <a:ext uri="{FF2B5EF4-FFF2-40B4-BE49-F238E27FC236}">
+                <a16:creationId xmlns:a16="http://schemas.microsoft.com/office/drawing/2014/main" id="{BF028DD6-A7DF-7554-735B-970A6105EEAF}"/>
+              </a:ext>
+            </a:extLst>
+          </p:cNvPr>
+          <p:cNvPicPr>
+            <a:picLocks noChangeAspect="1" noChangeArrowheads="1"/>
+          </p:cNvPicPr>
+          <p:nvPr/>
+        </p:nvPicPr>
+        <p:blipFill rotWithShape="1">
+          <a:blip r:embed="rId3">
+            <a:extLst>
+              <a:ext uri="{28A0092B-C50C-407E-A947-70E740481C1C}">
+                <a14:useLocalDpi xmlns:a14="http://schemas.microsoft.com/office/drawing/2010/main" val="0"/>
+              </a:ext>
+            </a:extLst>
+          </a:blip>
+          <a:srcRect l="9326" t="8469" r="11907" b="8469"/>
+          <a:stretch/>
+        </p:blipFill>
+        <p:spPr bwMode="auto">
+          <a:xfrm>
+            <a:off x="7049190" y="3807392"/>
+            <a:ext cx="5142810" cy="3050608"/>
+          </a:xfrm>
+          <a:prstGeom prst="rect">
+            <a:avLst/>
+          </a:prstGeom>
+          <a:noFill/>
+          <a:extLst>
+            <a:ext uri="{909E8E84-426E-40DD-AFC4-6F175D3DCCD1}">
+              <a14:hiddenFill xmlns:a14="http://schemas.microsoft.com/office/drawing/2010/main">
+                <a:solidFill>
+                  <a:srgbClr val="FFFFFF"/>
+                </a:solidFill>
+              </a14:hiddenFill>
+            </a:ext>
+          </a:extLst>
+        </p:spPr>
+      </p:pic>
+    </p:spTree>
+    <p:extLst>
+      <p:ext uri="{BB962C8B-B14F-4D97-AF65-F5344CB8AC3E}">
+        <p14:creationId xmlns:p14="http://schemas.microsoft.com/office/powerpoint/2010/main" val="283642001"/>
+      </p:ext>
+    </p:extLst>
+  </p:cSld>
+  <p:clrMapOvr>
+    <a:masterClrMapping/>
+  </p:clrMapOvr>
+</p:sld>
+</file>
+
+<file path=ppt/slides/slide12.xml><?xml version="1.0" encoding="utf-8"?>
+<p:sld xmlns:a="http://schemas.openxmlformats.org/drawingml/2006/main" xmlns:r="http://schemas.openxmlformats.org/officeDocument/2006/relationships" xmlns:p="http://schemas.openxmlformats.org/presentationml/2006/main">
+  <p:cSld>
+    <p:spTree>
+      <p:nvGrpSpPr>
+        <p:cNvPr id="1" name=""/>
+        <p:cNvGrpSpPr/>
+        <p:nvPr/>
+      </p:nvGrpSpPr>
+      <p:grpSpPr>
+        <a:xfrm>
+          <a:off x="0" y="0"/>
+          <a:ext cx="0" cy="0"/>
+          <a:chOff x="0" y="0"/>
+          <a:chExt cx="0" cy="0"/>
+        </a:xfrm>
+      </p:grpSpPr>
+      <p:sp>
+        <p:nvSpPr>
+          <p:cNvPr id="2" name="Title 1">
+            <a:extLst>
+              <a:ext uri="{FF2B5EF4-FFF2-40B4-BE49-F238E27FC236}">
+                <a16:creationId xmlns:a16="http://schemas.microsoft.com/office/drawing/2014/main" id="{76E5F16F-4BD4-0FF6-7F48-005B80BFDDA8}"/>
+              </a:ext>
+            </a:extLst>
+          </p:cNvPr>
+          <p:cNvSpPr>
+            <a:spLocks noGrp="1"/>
+          </p:cNvSpPr>
+          <p:nvPr>
+            <p:ph type="title"/>
+          </p:nvPr>
+        </p:nvSpPr>
+        <p:spPr/>
+        <p:txBody>
+          <a:bodyPr/>
+          <a:lstStyle/>
+          <a:p>
+            <a:r>
+              <a:rPr lang="en-US" dirty="0"/>
+              <a:t>Applying Lambda</a:t>
+            </a:r>
+          </a:p>
+        </p:txBody>
+      </p:sp>
+      <p:sp>
+        <p:nvSpPr>
+          <p:cNvPr id="3" name="Content Placeholder 2">
+            <a:extLst>
+              <a:ext uri="{FF2B5EF4-FFF2-40B4-BE49-F238E27FC236}">
+                <a16:creationId xmlns:a16="http://schemas.microsoft.com/office/drawing/2014/main" id="{4E02C543-77AC-123E-DFCD-681828E0D109}"/>
+              </a:ext>
+            </a:extLst>
+          </p:cNvPr>
+          <p:cNvSpPr>
+            <a:spLocks noGrp="1"/>
+          </p:cNvSpPr>
+          <p:nvPr>
+            <p:ph idx="1"/>
+          </p:nvPr>
+        </p:nvSpPr>
+        <p:spPr>
+          <a:xfrm>
+            <a:off x="1451579" y="1853754"/>
+            <a:ext cx="9603275" cy="2587171"/>
+          </a:xfrm>
+        </p:spPr>
+        <p:txBody>
+          <a:bodyPr/>
+          <a:lstStyle/>
+          <a:p>
+            <a:r>
+              <a:rPr lang="en-US" dirty="0"/>
+              <a:t>These lambda functions are commonly used where we just want to “do it” and don’t really need to save that function’s logic. </a:t>
+            </a:r>
+          </a:p>
+          <a:p>
+            <a:pPr lvl="1"/>
+            <a:r>
+              <a:rPr lang="en-US" dirty="0"/>
+              <a:t>This is common in data preparation. </a:t>
+            </a:r>
+          </a:p>
+          <a:p>
+            <a:r>
+              <a:rPr lang="en-US" dirty="0"/>
+              <a:t>Lambda is most useful with apply/map, doing some “clear” action in its expression. </a:t>
+            </a:r>
+          </a:p>
+          <a:p>
+            <a:r>
+              <a:rPr lang="en-US" dirty="0"/>
+              <a:t>E.g. the image here checks before/after some date. </a:t>
+            </a:r>
+          </a:p>
+          <a:p>
+            <a:pPr lvl="1"/>
+            <a:r>
+              <a:rPr lang="en-US" dirty="0"/>
+              <a:t>What would the results be here?</a:t>
+            </a:r>
+          </a:p>
+        </p:txBody>
+      </p:sp>
+      <p:pic>
+        <p:nvPicPr>
+          <p:cNvPr id="5122" name="Picture 2">
+            <a:extLst>
+              <a:ext uri="{FF2B5EF4-FFF2-40B4-BE49-F238E27FC236}">
+                <a16:creationId xmlns:a16="http://schemas.microsoft.com/office/drawing/2014/main" id="{91F1C342-B61C-F61F-F998-C0ABD29714FD}"/>
+              </a:ext>
+            </a:extLst>
+          </p:cNvPr>
+          <p:cNvPicPr>
+            <a:picLocks noChangeAspect="1" noChangeArrowheads="1"/>
+          </p:cNvPicPr>
+          <p:nvPr/>
+        </p:nvPicPr>
+        <p:blipFill rotWithShape="1">
+          <a:blip r:embed="rId2">
+            <a:extLst>
+              <a:ext uri="{28A0092B-C50C-407E-A947-70E740481C1C}">
+                <a14:useLocalDpi xmlns:a14="http://schemas.microsoft.com/office/drawing/2010/main" val="0"/>
+              </a:ext>
+            </a:extLst>
+          </a:blip>
+          <a:srcRect l="8950" r="23359"/>
+          <a:stretch/>
+        </p:blipFill>
+        <p:spPr bwMode="auto">
+          <a:xfrm>
+            <a:off x="1137146" y="4440924"/>
+            <a:ext cx="10612367" cy="1612557"/>
+          </a:xfrm>
+          <a:prstGeom prst="rect">
+            <a:avLst/>
+          </a:prstGeom>
+          <a:noFill/>
+          <a:extLst>
+            <a:ext uri="{909E8E84-426E-40DD-AFC4-6F175D3DCCD1}">
+              <a14:hiddenFill xmlns:a14="http://schemas.microsoft.com/office/drawing/2010/main">
+                <a:solidFill>
+                  <a:srgbClr val="FFFFFF"/>
+                </a:solidFill>
+              </a14:hiddenFill>
+            </a:ext>
+          </a:extLst>
+        </p:spPr>
+      </p:pic>
+    </p:spTree>
+    <p:extLst>
+      <p:ext uri="{BB962C8B-B14F-4D97-AF65-F5344CB8AC3E}">
+        <p14:creationId xmlns:p14="http://schemas.microsoft.com/office/powerpoint/2010/main" val="1145377643"/>
+      </p:ext>
+    </p:extLst>
+  </p:cSld>
+  <p:clrMapOvr>
+    <a:masterClrMapping/>
+  </p:clrMapOvr>
+</p:sld>
+</file>
+
+<file path=ppt/slides/slide13.xml><?xml version="1.0" encoding="utf-8"?>
+<p:sld xmlns:a="http://schemas.openxmlformats.org/drawingml/2006/main" xmlns:r="http://schemas.openxmlformats.org/officeDocument/2006/relationships" xmlns:p="http://schemas.openxmlformats.org/presentationml/2006/main">
+  <p:cSld>
+    <p:spTree>
+      <p:nvGrpSpPr>
+        <p:cNvPr id="1" name=""/>
+        <p:cNvGrpSpPr/>
+        <p:nvPr/>
+      </p:nvGrpSpPr>
+      <p:grpSpPr>
+        <a:xfrm>
+          <a:off x="0" y="0"/>
+          <a:ext cx="0" cy="0"/>
+          <a:chOff x="0" y="0"/>
+          <a:chExt cx="0" cy="0"/>
+        </a:xfrm>
+      </p:grpSpPr>
+      <p:sp>
+        <p:nvSpPr>
+          <p:cNvPr id="2" name="Title 1">
+            <a:extLst>
+              <a:ext uri="{FF2B5EF4-FFF2-40B4-BE49-F238E27FC236}">
                 <a16:creationId xmlns:a16="http://schemas.microsoft.com/office/drawing/2014/main" id="{CB71DC51-790F-F236-9F1E-CB8268DFA992}"/>
               </a:ext>
             </a:extLst>
@@ -3917,7 +4463,7 @@
 </p:sld>
 </file>
 
-<file path=ppt/slides/slide11.xml><?xml version="1.0" encoding="utf-8"?>
+<file path=ppt/slides/slide14.xml><?xml version="1.0" encoding="utf-8"?>
 <p:sld xmlns:a="http://schemas.openxmlformats.org/drawingml/2006/main" xmlns:r="http://schemas.openxmlformats.org/officeDocument/2006/relationships" xmlns:p="http://schemas.openxmlformats.org/presentationml/2006/main">
   <p:cSld>
     <p:spTree>
@@ -4070,7 +4616,7 @@
 </p:sld>
 </file>
 
-<file path=ppt/slides/slide12.xml><?xml version="1.0" encoding="utf-8"?>
+<file path=ppt/slides/slide15.xml><?xml version="1.0" encoding="utf-8"?>
 <p:sld xmlns:a="http://schemas.openxmlformats.org/drawingml/2006/main" xmlns:r="http://schemas.openxmlformats.org/officeDocument/2006/relationships" xmlns:p="http://schemas.openxmlformats.org/presentationml/2006/main">
   <p:cSld>
     <p:spTree>
@@ -4272,7 +4818,7 @@
 </p:sld>
 </file>
 
-<file path=ppt/slides/slide13.xml><?xml version="1.0" encoding="utf-8"?>
+<file path=ppt/slides/slide16.xml><?xml version="1.0" encoding="utf-8"?>
 <p:sld xmlns:a="http://schemas.openxmlformats.org/drawingml/2006/main" xmlns:r="http://schemas.openxmlformats.org/officeDocument/2006/relationships" xmlns:p="http://schemas.openxmlformats.org/presentationml/2006/main">
   <p:cSld>
     <p:bg>
@@ -4501,7 +5047,7 @@
 </p:sld>
 </file>
 
-<file path=ppt/slides/slide14.xml><?xml version="1.0" encoding="utf-8"?>
+<file path=ppt/slides/slide17.xml><?xml version="1.0" encoding="utf-8"?>
 <p:sld xmlns:a="http://schemas.openxmlformats.org/drawingml/2006/main" xmlns:r="http://schemas.openxmlformats.org/officeDocument/2006/relationships" xmlns:p="http://schemas.openxmlformats.org/presentationml/2006/main">
   <p:cSld>
     <p:bg>
@@ -4707,7 +5253,7 @@
 </p:sld>
 </file>
 
-<file path=ppt/slides/slide15.xml><?xml version="1.0" encoding="utf-8"?>
+<file path=ppt/slides/slide18.xml><?xml version="1.0" encoding="utf-8"?>
 <p:sld xmlns:a="http://schemas.openxmlformats.org/drawingml/2006/main" xmlns:r="http://schemas.openxmlformats.org/officeDocument/2006/relationships" xmlns:p="http://schemas.openxmlformats.org/presentationml/2006/main">
   <p:cSld>
     <p:spTree>
@@ -4853,7 +5399,7 @@
 </p:sld>
 </file>
 
-<file path=ppt/slides/slide16.xml><?xml version="1.0" encoding="utf-8"?>
+<file path=ppt/slides/slide19.xml><?xml version="1.0" encoding="utf-8"?>
 <p:sld xmlns:a="http://schemas.openxmlformats.org/drawingml/2006/main" xmlns:r="http://schemas.openxmlformats.org/officeDocument/2006/relationships" xmlns:p="http://schemas.openxmlformats.org/presentationml/2006/main">
   <p:cSld>
     <p:spTree>
@@ -5307,12 +5853,14 @@
         </p:nvSpPr>
         <p:spPr>
           <a:xfrm>
-            <a:off x="1451579" y="1896720"/>
-            <a:ext cx="9603275" cy="4156762"/>
-          </a:xfrm>
-        </p:spPr>
-        <p:txBody>
-          <a:bodyPr/>
+            <a:off x="1073426" y="1896720"/>
+            <a:ext cx="10207487" cy="4156762"/>
+          </a:xfrm>
+        </p:spPr>
+        <p:txBody>
+          <a:bodyPr>
+            <a:normAutofit lnSpcReduction="10000"/>
+          </a:bodyPr>
           <a:lstStyle/>
           <a:p>
             <a:r>
@@ -5380,9 +5928,16 @@
             </a:r>
           </a:p>
           <a:p>
-            <a:r>
-              <a:rPr lang="en-US" dirty="0"/>
-              <a:t>Functionally the same as a loop generating values and appending to a list, but easier. </a:t>
+            <a:pPr lvl="1"/>
+            <a:r>
+              <a:rPr lang="en-US" dirty="0"/>
+              <a:t>I use the analogy select-from-where from SQL to think of the order of the parts. </a:t>
+            </a:r>
+          </a:p>
+          <a:p>
+            <a:r>
+              <a:rPr lang="en-US" dirty="0"/>
+              <a:t>Functionally the same as a loop generating values and appending to a list, but easier (I guess). </a:t>
             </a:r>
           </a:p>
         </p:txBody>
@@ -5578,18 +6133,21 @@
             </a:r>
           </a:p>
           <a:p>
+            <a:pPr lvl="1"/>
             <a:r>
               <a:rPr lang="en-US" dirty="0"/>
               <a:t>Transformations – convert ft. to meters. </a:t>
             </a:r>
           </a:p>
           <a:p>
+            <a:pPr lvl="1"/>
             <a:r>
               <a:rPr lang="en-US" dirty="0"/>
               <a:t>Filtering – if some info is being included/excluded, the filter can be built into the list creation. </a:t>
             </a:r>
           </a:p>
           <a:p>
+            <a:pPr lvl="1"/>
             <a:r>
               <a:rPr lang="en-US" dirty="0"/>
               <a:t>Initialization – If we need to setup some placeholders in a data structure, we can use this. (Happens in machine learning semi-frequently, such as in some NN models). </a:t>
@@ -5613,6 +6171,30 @@
 <file path=ppt/slides/slide6.xml><?xml version="1.0" encoding="utf-8"?>
 <p:sld xmlns:a="http://schemas.openxmlformats.org/drawingml/2006/main" xmlns:r="http://schemas.openxmlformats.org/officeDocument/2006/relationships" xmlns:p="http://schemas.openxmlformats.org/presentationml/2006/main">
   <p:cSld>
+    <p:bg>
+      <p:bgPr>
+        <a:gradFill rotWithShape="1">
+          <a:gsLst>
+            <a:gs pos="0">
+              <a:schemeClr val="bg2">
+                <a:tint val="94000"/>
+                <a:satMod val="80000"/>
+                <a:lumMod val="106000"/>
+              </a:schemeClr>
+            </a:gs>
+            <a:gs pos="100000">
+              <a:schemeClr val="bg2">
+                <a:shade val="80000"/>
+              </a:schemeClr>
+            </a:gs>
+          </a:gsLst>
+          <a:path path="circle">
+            <a:fillToRect l="43000" r="43000" b="100000"/>
+          </a:path>
+        </a:gradFill>
+        <a:effectLst/>
+      </p:bgPr>
+    </p:bg>
     <p:spTree>
       <p:nvGrpSpPr>
         <p:cNvPr id="1" name=""/>
@@ -5632,7 +6214,7 @@
           <p:cNvPr id="2" name="Title 1">
             <a:extLst>
               <a:ext uri="{FF2B5EF4-FFF2-40B4-BE49-F238E27FC236}">
-                <a16:creationId xmlns:a16="http://schemas.microsoft.com/office/drawing/2014/main" id="{F52E92C1-6918-956B-A04E-EE9139E852B3}"/>
+                <a16:creationId xmlns:a16="http://schemas.microsoft.com/office/drawing/2014/main" id="{81A5777A-4901-BD28-380C-130BAF56AE0D}"/>
               </a:ext>
             </a:extLst>
           </p:cNvPr>
@@ -5643,14 +6225,21 @@
             <p:ph type="title"/>
           </p:nvPr>
         </p:nvSpPr>
-        <p:spPr/>
-        <p:txBody>
-          <a:bodyPr/>
-          <a:lstStyle/>
-          <a:p>
-            <a:r>
-              <a:rPr lang="en-US" dirty="0"/>
-              <a:t>Bulk actions on Pandas</a:t>
+        <p:spPr>
+          <a:xfrm>
+            <a:off x="1451579" y="804519"/>
+            <a:ext cx="9603275" cy="1049235"/>
+          </a:xfrm>
+        </p:spPr>
+        <p:txBody>
+          <a:bodyPr>
+            <a:normAutofit/>
+          </a:bodyPr>
+          <a:lstStyle/>
+          <a:p>
+            <a:r>
+              <a:rPr lang="en-US" dirty="0"/>
+              <a:t>Dictionaries can be Comprehended too!</a:t>
             </a:r>
           </a:p>
         </p:txBody>
@@ -5660,7 +6249,7 @@
           <p:cNvPr id="3" name="Content Placeholder 2">
             <a:extLst>
               <a:ext uri="{FF2B5EF4-FFF2-40B4-BE49-F238E27FC236}">
-                <a16:creationId xmlns:a16="http://schemas.microsoft.com/office/drawing/2014/main" id="{01169B61-DDCE-3BB0-A47E-220CBFC9C5C7}"/>
+                <a16:creationId xmlns:a16="http://schemas.microsoft.com/office/drawing/2014/main" id="{D7E11116-B384-7905-AEE6-66A1065D6EBD}"/>
               </a:ext>
             </a:extLst>
           </p:cNvPr>
@@ -5673,101 +6262,107 @@
         </p:nvSpPr>
         <p:spPr>
           <a:xfrm>
-            <a:off x="1451579" y="2015732"/>
-            <a:ext cx="9603275" cy="4187360"/>
-          </a:xfrm>
-        </p:spPr>
-        <p:txBody>
-          <a:bodyPr/>
-          <a:lstStyle/>
-          <a:p>
-            <a:r>
-              <a:rPr lang="en-US" dirty="0"/>
-              <a:t>We can also do actions in bulk to pandas objects – </a:t>
-            </a:r>
-            <a:r>
-              <a:rPr lang="en-US" dirty="0" err="1"/>
-              <a:t>dataframes</a:t>
-            </a:r>
-            <a:r>
-              <a:rPr lang="en-US" dirty="0"/>
-              <a:t> and series. </a:t>
-            </a:r>
-          </a:p>
-          <a:p>
-            <a:r>
-              <a:rPr lang="en-US" dirty="0"/>
-              <a:t>The Apply function “applies” some function to all items in a data structure, usually one column of a </a:t>
-            </a:r>
-            <a:r>
-              <a:rPr lang="en-US" dirty="0" err="1"/>
-              <a:t>dataframe</a:t>
-            </a:r>
-            <a:r>
-              <a:rPr lang="en-US" dirty="0"/>
-              <a:t> or a series. </a:t>
-            </a:r>
-          </a:p>
-          <a:p>
-            <a:r>
-              <a:rPr lang="en-US" dirty="0"/>
-              <a:t>The end result is the same as if we were to loop through each item. </a:t>
-            </a:r>
-          </a:p>
-          <a:p>
-            <a:r>
-              <a:rPr lang="en-US" dirty="0"/>
-              <a:t>Generally more efficient than looping. </a:t>
-            </a:r>
-          </a:p>
-          <a:p>
-            <a:r>
-              <a:rPr lang="en-US" dirty="0"/>
-              <a:t>Generally thought of as more readable and clear. </a:t>
-            </a:r>
-          </a:p>
-          <a:p>
-            <a:r>
-              <a:rPr lang="en-US" dirty="0"/>
-              <a:t>The axis parameter controls if the function is applied to each row or each column. </a:t>
+            <a:off x="139700" y="2015734"/>
+            <a:ext cx="5324241" cy="3450613"/>
+          </a:xfrm>
+        </p:spPr>
+        <p:txBody>
+          <a:bodyPr>
+            <a:normAutofit/>
+          </a:bodyPr>
+          <a:lstStyle/>
+          <a:p>
+            <a:r>
+              <a:rPr lang="en-US" dirty="0"/>
+              <a:t>Dictionary comprehension is similar to lists. </a:t>
+            </a:r>
+          </a:p>
+          <a:p>
+            <a:pPr lvl="1"/>
+            <a:r>
+              <a:rPr lang="en-US" dirty="0"/>
+              <a:t>Less common in most scenarios. </a:t>
+            </a:r>
+          </a:p>
+          <a:p>
+            <a:r>
+              <a:rPr lang="en-US" dirty="0"/>
+              <a:t>Most useful if you have separate k/v already:</a:t>
+            </a:r>
+          </a:p>
+          <a:p>
+            <a:pPr lvl="1"/>
+            <a:r>
+              <a:rPr lang="en-US" dirty="0"/>
+              <a:t>One list of keys. </a:t>
+            </a:r>
+          </a:p>
+          <a:p>
+            <a:pPr lvl="1"/>
+            <a:r>
+              <a:rPr lang="en-US" dirty="0"/>
+              <a:t>One list of values. </a:t>
+            </a:r>
+          </a:p>
+          <a:p>
+            <a:pPr lvl="1"/>
+            <a:r>
+              <a:rPr lang="en-US" dirty="0"/>
+              <a:t>Zip them together and dictionary comprehend a dictionary. </a:t>
             </a:r>
           </a:p>
         </p:txBody>
       </p:sp>
       <p:pic>
         <p:nvPicPr>
-          <p:cNvPr id="4" name="Picture 3">
+          <p:cNvPr id="1026" name="Picture 2" descr="Python Dictionary Comprehension">
             <a:extLst>
               <a:ext uri="{FF2B5EF4-FFF2-40B4-BE49-F238E27FC236}">
-                <a16:creationId xmlns:a16="http://schemas.microsoft.com/office/drawing/2014/main" id="{BC716246-8070-5089-0152-C960725E4393}"/>
+                <a16:creationId xmlns:a16="http://schemas.microsoft.com/office/drawing/2014/main" id="{5860B78C-8F89-0AE5-C9A6-BC986335FA23}"/>
               </a:ext>
             </a:extLst>
           </p:cNvPr>
           <p:cNvPicPr>
-            <a:picLocks noChangeAspect="1"/>
+            <a:picLocks noChangeAspect="1" noChangeArrowheads="1"/>
           </p:cNvPicPr>
           <p:nvPr/>
         </p:nvPicPr>
         <p:blipFill>
-          <a:blip r:embed="rId2"/>
+          <a:blip r:embed="rId2">
+            <a:extLst>
+              <a:ext uri="{28A0092B-C50C-407E-A947-70E740481C1C}">
+                <a14:useLocalDpi xmlns:a14="http://schemas.microsoft.com/office/drawing/2010/main" val="0"/>
+              </a:ext>
+            </a:extLst>
+          </a:blip>
           <a:stretch>
             <a:fillRect/>
           </a:stretch>
         </p:blipFill>
-        <p:spPr>
-          <a:xfrm>
-            <a:off x="8131604" y="391469"/>
-            <a:ext cx="3441700" cy="1206500"/>
+        <p:spPr bwMode="auto">
+          <a:xfrm>
+            <a:off x="5463941" y="2209800"/>
+            <a:ext cx="6703328" cy="2430535"/>
           </a:xfrm>
           <a:prstGeom prst="rect">
             <a:avLst/>
           </a:prstGeom>
+          <a:noFill/>
+          <a:extLst>
+            <a:ext uri="{909E8E84-426E-40DD-AFC4-6F175D3DCCD1}">
+              <a14:hiddenFill xmlns:a14="http://schemas.microsoft.com/office/drawing/2010/main">
+                <a:solidFill>
+                  <a:srgbClr val="FFFFFF"/>
+                </a:solidFill>
+              </a14:hiddenFill>
+            </a:ext>
+          </a:extLst>
         </p:spPr>
       </p:pic>
     </p:spTree>
     <p:extLst>
       <p:ext uri="{BB962C8B-B14F-4D97-AF65-F5344CB8AC3E}">
-        <p14:creationId xmlns:p14="http://schemas.microsoft.com/office/powerpoint/2010/main" val="2708963158"/>
+        <p14:creationId xmlns:p14="http://schemas.microsoft.com/office/powerpoint/2010/main" val="3942228505"/>
       </p:ext>
     </p:extLst>
   </p:cSld>
@@ -5799,7 +6394,7 @@
           <p:cNvPr id="2" name="Title 1">
             <a:extLst>
               <a:ext uri="{FF2B5EF4-FFF2-40B4-BE49-F238E27FC236}">
-                <a16:creationId xmlns:a16="http://schemas.microsoft.com/office/drawing/2014/main" id="{62E83184-19BA-DC5B-6D8B-77ADDF7BBAFF}"/>
+                <a16:creationId xmlns:a16="http://schemas.microsoft.com/office/drawing/2014/main" id="{F52E92C1-6918-956B-A04E-EE9139E852B3}"/>
               </a:ext>
             </a:extLst>
           </p:cNvPr>
@@ -5817,7 +6412,7 @@
           <a:p>
             <a:r>
               <a:rPr lang="en-US" dirty="0"/>
-              <a:t>Lambda</a:t>
+              <a:t>Bulk actions on Pandas</a:t>
             </a:r>
           </a:p>
         </p:txBody>
@@ -5827,7 +6422,7 @@
           <p:cNvPr id="3" name="Content Placeholder 2">
             <a:extLst>
               <a:ext uri="{FF2B5EF4-FFF2-40B4-BE49-F238E27FC236}">
-                <a16:creationId xmlns:a16="http://schemas.microsoft.com/office/drawing/2014/main" id="{EDC82056-9FC9-167D-3ECF-939A06473CF9}"/>
+                <a16:creationId xmlns:a16="http://schemas.microsoft.com/office/drawing/2014/main" id="{01169B61-DDCE-3BB0-A47E-220CBFC9C5C7}"/>
               </a:ext>
             </a:extLst>
           </p:cNvPr>
@@ -5840,8 +6435,8 @@
         </p:nvSpPr>
         <p:spPr>
           <a:xfrm>
-            <a:off x="1451579" y="1853754"/>
-            <a:ext cx="9603275" cy="4199727"/>
+            <a:off x="1451579" y="2015732"/>
+            <a:ext cx="9603275" cy="4187360"/>
           </a:xfrm>
         </p:spPr>
         <p:txBody>
@@ -5850,46 +6445,53 @@
           <a:p>
             <a:r>
               <a:rPr lang="en-US" dirty="0"/>
-              <a:t>When using Apply, we can choose any (suitable) function to use. </a:t>
-            </a:r>
-          </a:p>
-          <a:p>
-            <a:r>
-              <a:rPr lang="en-US" dirty="0"/>
-              <a:t>It is common to want to do some smaller things, that may not have a function yet. </a:t>
-            </a:r>
-          </a:p>
-          <a:p>
-            <a:pPr lvl="1"/>
-            <a:r>
-              <a:rPr lang="en-US" dirty="0"/>
-              <a:t>E.g. if we wanted to determine if objects are even or odd. </a:t>
-            </a:r>
-          </a:p>
-          <a:p>
-            <a:pPr lvl="1"/>
-            <a:r>
-              <a:rPr lang="en-US" dirty="0"/>
-              <a:t>This code is small and simple. </a:t>
-            </a:r>
-          </a:p>
-          <a:p>
-            <a:r>
-              <a:rPr lang="en-US" dirty="0"/>
-              <a:t>Lambda functions are a tool that allows us to make small “nameless” functions that we probably only need once. </a:t>
-            </a:r>
-          </a:p>
-          <a:p>
-            <a:pPr lvl="1"/>
-            <a:r>
-              <a:rPr lang="en-US" dirty="0"/>
-              <a:t>Lambda functions are only one line, so they are relatively simple. </a:t>
-            </a:r>
-          </a:p>
-          <a:p>
-            <a:r>
-              <a:rPr lang="en-US" dirty="0"/>
-              <a:t>Can be useful for things like data cleanup – we may want to transform some value in a column of data, but we probably won’t need that action again later. </a:t>
+              <a:t>We can also do actions in bulk to pandas objects – </a:t>
+            </a:r>
+            <a:r>
+              <a:rPr lang="en-US" dirty="0" err="1"/>
+              <a:t>dataframes</a:t>
+            </a:r>
+            <a:r>
+              <a:rPr lang="en-US" dirty="0"/>
+              <a:t> and series. </a:t>
+            </a:r>
+          </a:p>
+          <a:p>
+            <a:r>
+              <a:rPr lang="en-US" dirty="0"/>
+              <a:t>The Apply function “applies” some function to all items in a data structure, usually one column of a </a:t>
+            </a:r>
+            <a:r>
+              <a:rPr lang="en-US" dirty="0" err="1"/>
+              <a:t>dataframe</a:t>
+            </a:r>
+            <a:r>
+              <a:rPr lang="en-US" dirty="0"/>
+              <a:t> or a series. </a:t>
+            </a:r>
+          </a:p>
+          <a:p>
+            <a:r>
+              <a:rPr lang="en-US" dirty="0"/>
+              <a:t>The end result is the same as if we were to loop through each item. </a:t>
+            </a:r>
+          </a:p>
+          <a:p>
+            <a:r>
+              <a:rPr lang="en-US" dirty="0"/>
+              <a:t>Generally more efficient than looping. </a:t>
+            </a:r>
+          </a:p>
+          <a:p>
+            <a:r>
+              <a:rPr lang="en-US" dirty="0"/>
+              <a:t>Generally thought of as more readable and clear in some cases. </a:t>
+            </a:r>
+          </a:p>
+          <a:p>
+            <a:r>
+              <a:rPr lang="en-US" dirty="0"/>
+              <a:t>The axis parameter controls if the function is applied to each row or each column. </a:t>
             </a:r>
           </a:p>
         </p:txBody>
@@ -5899,7 +6501,7 @@
           <p:cNvPr id="4" name="Picture 3">
             <a:extLst>
               <a:ext uri="{FF2B5EF4-FFF2-40B4-BE49-F238E27FC236}">
-                <a16:creationId xmlns:a16="http://schemas.microsoft.com/office/drawing/2014/main" id="{EC0072B3-3525-1E4D-5A21-F5A7CBD21AD2}"/>
+                <a16:creationId xmlns:a16="http://schemas.microsoft.com/office/drawing/2014/main" id="{BC716246-8070-5089-0152-C960725E4393}"/>
               </a:ext>
             </a:extLst>
           </p:cNvPr>
@@ -5916,8 +6518,8 @@
         </p:blipFill>
         <p:spPr>
           <a:xfrm>
-            <a:off x="7329510" y="219819"/>
-            <a:ext cx="4262881" cy="1497769"/>
+            <a:off x="8131604" y="391469"/>
+            <a:ext cx="3441700" cy="1206500"/>
           </a:xfrm>
           <a:prstGeom prst="rect">
             <a:avLst/>
@@ -5927,7 +6529,7 @@
     </p:spTree>
     <p:extLst>
       <p:ext uri="{BB962C8B-B14F-4D97-AF65-F5344CB8AC3E}">
-        <p14:creationId xmlns:p14="http://schemas.microsoft.com/office/powerpoint/2010/main" val="2248206532"/>
+        <p14:creationId xmlns:p14="http://schemas.microsoft.com/office/powerpoint/2010/main" val="2708963158"/>
       </p:ext>
     </p:extLst>
   </p:cSld>
@@ -5940,6 +6542,30 @@
 <file path=ppt/slides/slide8.xml><?xml version="1.0" encoding="utf-8"?>
 <p:sld xmlns:a="http://schemas.openxmlformats.org/drawingml/2006/main" xmlns:r="http://schemas.openxmlformats.org/officeDocument/2006/relationships" xmlns:p="http://schemas.openxmlformats.org/presentationml/2006/main">
   <p:cSld>
+    <p:bg>
+      <p:bgPr>
+        <a:gradFill rotWithShape="1">
+          <a:gsLst>
+            <a:gs pos="0">
+              <a:schemeClr val="bg2">
+                <a:tint val="94000"/>
+                <a:satMod val="80000"/>
+                <a:lumMod val="106000"/>
+              </a:schemeClr>
+            </a:gs>
+            <a:gs pos="100000">
+              <a:schemeClr val="bg2">
+                <a:shade val="80000"/>
+              </a:schemeClr>
+            </a:gs>
+          </a:gsLst>
+          <a:path path="circle">
+            <a:fillToRect l="43000" r="43000" b="100000"/>
+          </a:path>
+        </a:gradFill>
+        <a:effectLst/>
+      </p:bgPr>
+    </p:bg>
     <p:spTree>
       <p:nvGrpSpPr>
         <p:cNvPr id="1" name=""/>
@@ -5959,7 +6585,7 @@
           <p:cNvPr id="2" name="Title 1">
             <a:extLst>
               <a:ext uri="{FF2B5EF4-FFF2-40B4-BE49-F238E27FC236}">
-                <a16:creationId xmlns:a16="http://schemas.microsoft.com/office/drawing/2014/main" id="{266F7617-FDC4-1465-6D3E-27DB1755FFCC}"/>
+                <a16:creationId xmlns:a16="http://schemas.microsoft.com/office/drawing/2014/main" id="{3237A67E-C2C8-6683-1E37-49F0A064B2CA}"/>
               </a:ext>
             </a:extLst>
           </p:cNvPr>
@@ -5970,14 +6596,21 @@
             <p:ph type="title"/>
           </p:nvPr>
         </p:nvSpPr>
-        <p:spPr/>
-        <p:txBody>
-          <a:bodyPr/>
-          <a:lstStyle/>
-          <a:p>
-            <a:r>
-              <a:rPr lang="en-US" dirty="0"/>
-              <a:t>Lambda Functions</a:t>
+        <p:spPr>
+          <a:xfrm>
+            <a:off x="1451579" y="804519"/>
+            <a:ext cx="9603275" cy="1049235"/>
+          </a:xfrm>
+        </p:spPr>
+        <p:txBody>
+          <a:bodyPr>
+            <a:normAutofit/>
+          </a:bodyPr>
+          <a:lstStyle/>
+          <a:p>
+            <a:r>
+              <a:rPr lang="en-US" dirty="0"/>
+              <a:t>Functions…are…Objects….</a:t>
             </a:r>
           </a:p>
         </p:txBody>
@@ -5987,7 +6620,7 @@
           <p:cNvPr id="3" name="Content Placeholder 2">
             <a:extLst>
               <a:ext uri="{FF2B5EF4-FFF2-40B4-BE49-F238E27FC236}">
-                <a16:creationId xmlns:a16="http://schemas.microsoft.com/office/drawing/2014/main" id="{463B72BD-F2B8-A5EB-F058-C1632D872B0F}"/>
+                <a16:creationId xmlns:a16="http://schemas.microsoft.com/office/drawing/2014/main" id="{F64DC233-65C9-0CF5-5886-8969290AE490}"/>
               </a:ext>
             </a:extLst>
           </p:cNvPr>
@@ -6000,101 +6633,90 @@
         </p:nvSpPr>
         <p:spPr>
           <a:xfrm>
-            <a:off x="135925" y="2015732"/>
-            <a:ext cx="6913265" cy="4037749"/>
-          </a:xfrm>
-        </p:spPr>
-        <p:txBody>
-          <a:bodyPr/>
-          <a:lstStyle/>
-          <a:p>
+            <a:off x="139700" y="1853754"/>
+            <a:ext cx="5823778" cy="4199727"/>
+          </a:xfrm>
+        </p:spPr>
+        <p:txBody>
+          <a:bodyPr>
+            <a:normAutofit/>
+          </a:bodyPr>
+          <a:lstStyle/>
+          <a:p>
+            <a:r>
+              <a:rPr lang="en-US" dirty="0"/>
+              <a:t>In python, everything is an object. </a:t>
+            </a:r>
+          </a:p>
+          <a:p>
+            <a:pPr lvl="1"/>
             <a:r>
               <a:rPr lang="en-US" dirty="0" err="1"/>
-              <a:t>Lmabda</a:t>
-            </a:r>
-            <a:r>
-              <a:rPr lang="en-US" dirty="0"/>
-              <a:t> functions are defined similarly to apply:</a:t>
+              <a:t>Ints</a:t>
+            </a:r>
+            <a:r>
+              <a:rPr lang="en-US" dirty="0"/>
+              <a:t>, strings, arrays, </a:t>
+            </a:r>
+            <a:r>
+              <a:rPr lang="en-US" dirty="0" err="1"/>
+              <a:t>dataframes</a:t>
+            </a:r>
+            <a:r>
+              <a:rPr lang="en-US" dirty="0"/>
+              <a:t>, </a:t>
+            </a:r>
+            <a:r>
+              <a:rPr lang="en-US" dirty="0" err="1"/>
+              <a:t>etc</a:t>
+            </a:r>
+            <a:r>
+              <a:rPr lang="en-US" dirty="0"/>
+              <a:t>…</a:t>
+            </a:r>
+          </a:p>
+          <a:p>
+            <a:r>
+              <a:rPr lang="en-US" dirty="0"/>
+              <a:t>We can pass these objects as arguments.</a:t>
+            </a:r>
+          </a:p>
+          <a:p>
+            <a:r>
+              <a:rPr lang="en-US" dirty="0"/>
+              <a:t>Functions are also objects. </a:t>
+            </a:r>
+          </a:p>
+          <a:p>
+            <a:r>
+              <a:rPr lang="en-US" dirty="0"/>
+              <a:t>Therefore, we can also pass functions around as arguments. </a:t>
+            </a:r>
+          </a:p>
+          <a:p>
+            <a:r>
+              <a:rPr lang="en-US" dirty="0"/>
+              <a:t>We can use this to make more flexible functions. </a:t>
             </a:r>
           </a:p>
           <a:p>
             <a:pPr lvl="1"/>
             <a:r>
               <a:rPr lang="en-US" dirty="0"/>
-              <a:t>The arguments are the input data we’re using. </a:t>
-            </a:r>
-          </a:p>
-          <a:p>
-            <a:pPr lvl="1"/>
-            <a:r>
-              <a:rPr lang="en-US" dirty="0"/>
-              <a:t>The expression is the calculation we perform to that data. </a:t>
-            </a:r>
-          </a:p>
-          <a:p>
-            <a:r>
-              <a:rPr lang="en-US" dirty="0"/>
-              <a:t>Here, we’ve stored the function into a variable, so we can reuse it if we want. </a:t>
-            </a:r>
-          </a:p>
-          <a:p>
-            <a:r>
-              <a:rPr lang="en-US" dirty="0"/>
-              <a:t>Really useful if we need to do something simple, but with more logic than something like strip(). </a:t>
-            </a:r>
-          </a:p>
-          <a:p>
-            <a:pPr lvl="1"/>
-            <a:r>
-              <a:rPr lang="en-US" dirty="0"/>
-              <a:t>E.g. apply tax based on some condition. </a:t>
-            </a:r>
-          </a:p>
-          <a:p>
-            <a:pPr lvl="1"/>
-            <a:r>
-              <a:rPr lang="en-US" dirty="0"/>
-              <a:t>Reformat text depending on current format. </a:t>
-            </a:r>
+              <a:t>I.e. one function applies another function to something - the ‘other’ can be anything.</a:t>
+            </a:r>
+          </a:p>
+          <a:p>
+            <a:endParaRPr lang="en-US" dirty="0"/>
           </a:p>
         </p:txBody>
       </p:sp>
       <p:pic>
         <p:nvPicPr>
-          <p:cNvPr id="4" name="Picture 3">
+          <p:cNvPr id="2050" name="Picture 2" descr="YARN | Finkle is Einhorn Einhorn is FINKLE! | Ace Ventura: Pet Detective  (1994) | Video gifs by quotes | a08fcf3f | 紗">
             <a:extLst>
               <a:ext uri="{FF2B5EF4-FFF2-40B4-BE49-F238E27FC236}">
-                <a16:creationId xmlns:a16="http://schemas.microsoft.com/office/drawing/2014/main" id="{752D7146-258F-DEFF-2F5F-D653792DED96}"/>
-              </a:ext>
-            </a:extLst>
-          </p:cNvPr>
-          <p:cNvPicPr>
-            <a:picLocks noChangeAspect="1"/>
-          </p:cNvPicPr>
-          <p:nvPr/>
-        </p:nvPicPr>
-        <p:blipFill>
-          <a:blip r:embed="rId2"/>
-          <a:stretch>
-            <a:fillRect/>
-          </a:stretch>
-        </p:blipFill>
-        <p:spPr>
-          <a:xfrm>
-            <a:off x="6845300" y="0"/>
-            <a:ext cx="5346700" cy="2019300"/>
-          </a:xfrm>
-          <a:prstGeom prst="rect">
-            <a:avLst/>
-          </a:prstGeom>
-        </p:spPr>
-      </p:pic>
-      <p:pic>
-        <p:nvPicPr>
-          <p:cNvPr id="3074" name="Picture 2" descr="How to Effectively Use Lambda Functions in Python as a Data Scientist | by  Thomas A Dorfer | Towards Data Science">
-            <a:extLst>
-              <a:ext uri="{FF2B5EF4-FFF2-40B4-BE49-F238E27FC236}">
-                <a16:creationId xmlns:a16="http://schemas.microsoft.com/office/drawing/2014/main" id="{BF028DD6-A7DF-7554-735B-970A6105EEAF}"/>
+                <a16:creationId xmlns:a16="http://schemas.microsoft.com/office/drawing/2014/main" id="{4B4943AB-ABEA-0F00-5AE9-BB05C6A4ED36}"/>
               </a:ext>
             </a:extLst>
           </p:cNvPr>
@@ -6103,21 +6725,22 @@
           </p:cNvPicPr>
           <p:nvPr/>
         </p:nvPicPr>
-        <p:blipFill rotWithShape="1">
-          <a:blip r:embed="rId3">
+        <p:blipFill>
+          <a:blip r:embed="rId2">
             <a:extLst>
               <a:ext uri="{28A0092B-C50C-407E-A947-70E740481C1C}">
                 <a14:useLocalDpi xmlns:a14="http://schemas.microsoft.com/office/drawing/2010/main" val="0"/>
               </a:ext>
             </a:extLst>
           </a:blip>
-          <a:srcRect l="9326" t="8469" r="11907" b="8469"/>
-          <a:stretch/>
+          <a:stretch>
+            <a:fillRect/>
+          </a:stretch>
         </p:blipFill>
         <p:spPr bwMode="auto">
           <a:xfrm>
-            <a:off x="7049190" y="3807392"/>
-            <a:ext cx="5142810" cy="3050608"/>
+            <a:off x="6094411" y="2345916"/>
+            <a:ext cx="5957889" cy="3351312"/>
           </a:xfrm>
           <a:prstGeom prst="rect">
             <a:avLst/>
@@ -6137,7 +6760,7 @@
     </p:spTree>
     <p:extLst>
       <p:ext uri="{BB962C8B-B14F-4D97-AF65-F5344CB8AC3E}">
-        <p14:creationId xmlns:p14="http://schemas.microsoft.com/office/powerpoint/2010/main" val="283642001"/>
+        <p14:creationId xmlns:p14="http://schemas.microsoft.com/office/powerpoint/2010/main" val="1699442981"/>
       </p:ext>
     </p:extLst>
   </p:cSld>
@@ -6169,7 +6792,7 @@
           <p:cNvPr id="2" name="Title 1">
             <a:extLst>
               <a:ext uri="{FF2B5EF4-FFF2-40B4-BE49-F238E27FC236}">
-                <a16:creationId xmlns:a16="http://schemas.microsoft.com/office/drawing/2014/main" id="{76E5F16F-4BD4-0FF6-7F48-005B80BFDDA8}"/>
+                <a16:creationId xmlns:a16="http://schemas.microsoft.com/office/drawing/2014/main" id="{D175B8A0-68A1-BF8C-F599-C279CFE9F263}"/>
               </a:ext>
             </a:extLst>
           </p:cNvPr>
@@ -6187,7 +6810,7 @@
           <a:p>
             <a:r>
               <a:rPr lang="en-US" dirty="0"/>
-              <a:t>Applying Lambda</a:t>
+              <a:t>Higher Order Functions</a:t>
             </a:r>
           </a:p>
         </p:txBody>
@@ -6197,7 +6820,7 @@
           <p:cNvPr id="3" name="Content Placeholder 2">
             <a:extLst>
               <a:ext uri="{FF2B5EF4-FFF2-40B4-BE49-F238E27FC236}">
-                <a16:creationId xmlns:a16="http://schemas.microsoft.com/office/drawing/2014/main" id="{4E02C543-77AC-123E-DFCD-681828E0D109}"/>
+                <a16:creationId xmlns:a16="http://schemas.microsoft.com/office/drawing/2014/main" id="{97633090-265C-B25D-7430-A5A082E50468}"/>
               </a:ext>
             </a:extLst>
           </p:cNvPr>
@@ -6208,98 +6831,49 @@
             <p:ph idx="1"/>
           </p:nvPr>
         </p:nvSpPr>
-        <p:spPr>
-          <a:xfrm>
-            <a:off x="1451579" y="1853754"/>
-            <a:ext cx="9603275" cy="2587171"/>
-          </a:xfrm>
-        </p:spPr>
+        <p:spPr/>
         <p:txBody>
           <a:bodyPr/>
           <a:lstStyle/>
           <a:p>
-            <a:r>
-              <a:rPr lang="en-US" dirty="0"/>
-              <a:t>These lambda functions are commonly used where we just want to “do it” and don’t really need to save that function’s logic. </a:t>
-            </a:r>
-          </a:p>
-          <a:p>
-            <a:pPr lvl="1"/>
-            <a:r>
-              <a:rPr lang="en-US" dirty="0"/>
-              <a:t>This is common in data preparation. </a:t>
-            </a:r>
-          </a:p>
-          <a:p>
-            <a:r>
-              <a:rPr lang="en-US" dirty="0"/>
-              <a:t>Lambda is most useful with apply/map, doing some “clear” action in its expression. </a:t>
-            </a:r>
-          </a:p>
-          <a:p>
-            <a:r>
-              <a:rPr lang="en-US" dirty="0"/>
-              <a:t>E.g. the image here checks before/after some date. </a:t>
-            </a:r>
-          </a:p>
-          <a:p>
-            <a:pPr lvl="1"/>
-            <a:r>
-              <a:rPr lang="en-US" dirty="0"/>
-              <a:t>What would the results be here?</a:t>
-            </a:r>
+            <a:endParaRPr lang="en-US"/>
           </a:p>
         </p:txBody>
       </p:sp>
       <p:pic>
         <p:nvPicPr>
-          <p:cNvPr id="5122" name="Picture 2">
+          <p:cNvPr id="4" name="Picture 3">
             <a:extLst>
               <a:ext uri="{FF2B5EF4-FFF2-40B4-BE49-F238E27FC236}">
-                <a16:creationId xmlns:a16="http://schemas.microsoft.com/office/drawing/2014/main" id="{91F1C342-B61C-F61F-F998-C0ABD29714FD}"/>
+                <a16:creationId xmlns:a16="http://schemas.microsoft.com/office/drawing/2014/main" id="{81C2148D-BDB0-AFD0-FCFE-EC70FFE59B25}"/>
               </a:ext>
             </a:extLst>
           </p:cNvPr>
           <p:cNvPicPr>
-            <a:picLocks noChangeAspect="1" noChangeArrowheads="1"/>
+            <a:picLocks noChangeAspect="1"/>
           </p:cNvPicPr>
           <p:nvPr/>
         </p:nvPicPr>
-        <p:blipFill rotWithShape="1">
-          <a:blip r:embed="rId2">
-            <a:extLst>
-              <a:ext uri="{28A0092B-C50C-407E-A947-70E740481C1C}">
-                <a14:useLocalDpi xmlns:a14="http://schemas.microsoft.com/office/drawing/2010/main" val="0"/>
-              </a:ext>
-            </a:extLst>
-          </a:blip>
-          <a:srcRect l="8950" r="23359"/>
-          <a:stretch/>
+        <p:blipFill>
+          <a:blip r:embed="rId2"/>
+          <a:stretch>
+            <a:fillRect/>
+          </a:stretch>
         </p:blipFill>
-        <p:spPr bwMode="auto">
-          <a:xfrm>
-            <a:off x="1137146" y="4440924"/>
-            <a:ext cx="10612367" cy="1612557"/>
+        <p:spPr>
+          <a:xfrm>
+            <a:off x="1410349" y="-38546"/>
+            <a:ext cx="9371301" cy="6858000"/>
           </a:xfrm>
           <a:prstGeom prst="rect">
             <a:avLst/>
           </a:prstGeom>
-          <a:noFill/>
-          <a:extLst>
-            <a:ext uri="{909E8E84-426E-40DD-AFC4-6F175D3DCCD1}">
-              <a14:hiddenFill xmlns:a14="http://schemas.microsoft.com/office/drawing/2010/main">
-                <a:solidFill>
-                  <a:srgbClr val="FFFFFF"/>
-                </a:solidFill>
-              </a14:hiddenFill>
-            </a:ext>
-          </a:extLst>
         </p:spPr>
       </p:pic>
     </p:spTree>
     <p:extLst>
       <p:ext uri="{BB962C8B-B14F-4D97-AF65-F5344CB8AC3E}">
-        <p14:creationId xmlns:p14="http://schemas.microsoft.com/office/powerpoint/2010/main" val="1145377643"/>
+        <p14:creationId xmlns:p14="http://schemas.microsoft.com/office/powerpoint/2010/main" val="4287646620"/>
       </p:ext>
     </p:extLst>
   </p:cSld>

--- a/reference_material/slides/014_bulk_actions.pptx
+++ b/reference_material/slides/014_bulk_actions.pptx
@@ -5631,6 +5631,30 @@
 <file path=ppt/slides/slide3.xml><?xml version="1.0" encoding="utf-8"?>
 <p:sld xmlns:a="http://schemas.openxmlformats.org/drawingml/2006/main" xmlns:r="http://schemas.openxmlformats.org/officeDocument/2006/relationships" xmlns:p="http://schemas.openxmlformats.org/presentationml/2006/main">
   <p:cSld>
+    <p:bg>
+      <p:bgPr>
+        <a:gradFill rotWithShape="1">
+          <a:gsLst>
+            <a:gs pos="0">
+              <a:schemeClr val="bg2">
+                <a:tint val="94000"/>
+                <a:satMod val="80000"/>
+                <a:lumMod val="106000"/>
+              </a:schemeClr>
+            </a:gs>
+            <a:gs pos="100000">
+              <a:schemeClr val="bg2">
+                <a:shade val="80000"/>
+              </a:schemeClr>
+            </a:gs>
+          </a:gsLst>
+          <a:path path="circle">
+            <a:fillToRect l="43000" r="43000" b="100000"/>
+          </a:path>
+        </a:gradFill>
+        <a:effectLst/>
+      </p:bgPr>
+    </p:bg>
     <p:spTree>
       <p:nvGrpSpPr>
         <p:cNvPr id="1" name=""/>
@@ -5661,9 +5685,16 @@
             <p:ph type="title"/>
           </p:nvPr>
         </p:nvSpPr>
-        <p:spPr/>
-        <p:txBody>
-          <a:bodyPr/>
+        <p:spPr>
+          <a:xfrm>
+            <a:off x="1451579" y="804519"/>
+            <a:ext cx="9603275" cy="1049235"/>
+          </a:xfrm>
+        </p:spPr>
+        <p:txBody>
+          <a:bodyPr>
+            <a:normAutofit/>
+          </a:bodyPr>
           <a:lstStyle/>
           <a:p>
             <a:r>
@@ -5673,71 +5704,12 @@
           </a:p>
         </p:txBody>
       </p:sp>
-      <p:sp>
-        <p:nvSpPr>
-          <p:cNvPr id="3" name="Content Placeholder 2">
+      <p:pic>
+        <p:nvPicPr>
+          <p:cNvPr id="3074" name="Picture 2" descr="Repetition is a Leader's Superpower">
             <a:extLst>
               <a:ext uri="{FF2B5EF4-FFF2-40B4-BE49-F238E27FC236}">
-                <a16:creationId xmlns:a16="http://schemas.microsoft.com/office/drawing/2014/main" id="{5B055F3D-61AB-AD7D-EC92-676195F86005}"/>
-              </a:ext>
-            </a:extLst>
-          </p:cNvPr>
-          <p:cNvSpPr>
-            <a:spLocks noGrp="1"/>
-          </p:cNvSpPr>
-          <p:nvPr>
-            <p:ph idx="1"/>
-          </p:nvPr>
-        </p:nvSpPr>
-        <p:spPr>
-          <a:xfrm>
-            <a:off x="1451579" y="1853754"/>
-            <a:ext cx="9603275" cy="4199727"/>
-          </a:xfrm>
-        </p:spPr>
-        <p:txBody>
-          <a:bodyPr/>
-          <a:lstStyle/>
-          <a:p>
-            <a:r>
-              <a:rPr lang="en-US" dirty="0"/>
-              <a:t>One of the biggest benefits of using programming to accomplish tasks is that we can only do things once, then tell the computer to repeat it for everything. </a:t>
-            </a:r>
-          </a:p>
-          <a:p>
-            <a:r>
-              <a:rPr lang="en-US" dirty="0"/>
-              <a:t>Thus far we’ve looked a couple of ways to repeat our action:</a:t>
-            </a:r>
-          </a:p>
-          <a:p>
-            <a:pPr lvl="1"/>
-            <a:r>
-              <a:rPr lang="en-US" dirty="0"/>
-              <a:t>Loops</a:t>
-            </a:r>
-          </a:p>
-          <a:p>
-            <a:pPr lvl="1"/>
-            <a:r>
-              <a:rPr lang="en-US" dirty="0"/>
-              <a:t>Recursion</a:t>
-            </a:r>
-          </a:p>
-          <a:p>
-            <a:r>
-              <a:rPr lang="en-US" dirty="0"/>
-              <a:t>There are other methods, some that are especially useful when you want to do some action to an entire dataset, as we are likely to want to do. </a:t>
-            </a:r>
-          </a:p>
-        </p:txBody>
-      </p:sp>
-      <p:pic>
-        <p:nvPicPr>
-          <p:cNvPr id="1026" name="Picture 2" descr="Repetitive Strain Injuries (RSI) in the Workplace">
-            <a:extLst>
-              <a:ext uri="{FF2B5EF4-FFF2-40B4-BE49-F238E27FC236}">
-                <a16:creationId xmlns:a16="http://schemas.microsoft.com/office/drawing/2014/main" id="{4D6D1EE2-533D-E337-7C76-DB0814878421}"/>
+                <a16:creationId xmlns:a16="http://schemas.microsoft.com/office/drawing/2014/main" id="{19EB2CD3-8082-44DB-7738-F2C06F6B766E}"/>
               </a:ext>
             </a:extLst>
           </p:cNvPr>
@@ -5746,7 +5718,7 @@
           </p:cNvPicPr>
           <p:nvPr/>
         </p:nvPicPr>
-        <p:blipFill rotWithShape="1">
+        <p:blipFill>
           <a:blip r:embed="rId2">
             <a:extLst>
               <a:ext uri="{28A0092B-C50C-407E-A947-70E740481C1C}">
@@ -5754,13 +5726,14 @@
               </a:ext>
             </a:extLst>
           </a:blip>
-          <a:srcRect b="8497"/>
-          <a:stretch/>
+          <a:stretch>
+            <a:fillRect/>
+          </a:stretch>
         </p:blipFill>
         <p:spPr bwMode="auto">
           <a:xfrm>
-            <a:off x="4292600" y="4887613"/>
-            <a:ext cx="3606800" cy="2056885"/>
+            <a:off x="0" y="2377926"/>
+            <a:ext cx="5738922" cy="3070323"/>
           </a:xfrm>
           <a:prstGeom prst="rect">
             <a:avLst/>
@@ -5777,6 +5750,101 @@
           </a:extLst>
         </p:spPr>
       </p:pic>
+      <p:sp>
+        <p:nvSpPr>
+          <p:cNvPr id="3" name="Content Placeholder 2">
+            <a:extLst>
+              <a:ext uri="{FF2B5EF4-FFF2-40B4-BE49-F238E27FC236}">
+                <a16:creationId xmlns:a16="http://schemas.microsoft.com/office/drawing/2014/main" id="{5B055F3D-61AB-AD7D-EC92-676195F86005}"/>
+              </a:ext>
+            </a:extLst>
+          </p:cNvPr>
+          <p:cNvSpPr>
+            <a:spLocks noGrp="1"/>
+          </p:cNvSpPr>
+          <p:nvPr>
+            <p:ph idx="1"/>
+          </p:nvPr>
+        </p:nvSpPr>
+        <p:spPr>
+          <a:xfrm>
+            <a:off x="5738922" y="1853754"/>
+            <a:ext cx="6453077" cy="4199727"/>
+          </a:xfrm>
+        </p:spPr>
+        <p:txBody>
+          <a:bodyPr>
+            <a:normAutofit fontScale="92500"/>
+          </a:bodyPr>
+          <a:lstStyle/>
+          <a:p>
+            <a:pPr>
+              <a:lnSpc>
+                <a:spcPct val="110000"/>
+              </a:lnSpc>
+            </a:pPr>
+            <a:r>
+              <a:rPr lang="en-US" dirty="0"/>
+              <a:t>One of the biggest benefits of using programming to accomplish tasks is that we can only do things once, then tell the computer to repeat it for everything. </a:t>
+            </a:r>
+          </a:p>
+          <a:p>
+            <a:pPr>
+              <a:lnSpc>
+                <a:spcPct val="110000"/>
+              </a:lnSpc>
+            </a:pPr>
+            <a:r>
+              <a:rPr lang="en-US" dirty="0"/>
+              <a:t>Thus far we’ve looked a couple of ways to repeat our action:</a:t>
+            </a:r>
+          </a:p>
+          <a:p>
+            <a:pPr lvl="1">
+              <a:lnSpc>
+                <a:spcPct val="110000"/>
+              </a:lnSpc>
+            </a:pPr>
+            <a:r>
+              <a:rPr lang="en-US" sz="2000" dirty="0"/>
+              <a:t>Loops</a:t>
+            </a:r>
+          </a:p>
+          <a:p>
+            <a:pPr lvl="1">
+              <a:lnSpc>
+                <a:spcPct val="110000"/>
+              </a:lnSpc>
+            </a:pPr>
+            <a:r>
+              <a:rPr lang="en-US" sz="2000" dirty="0"/>
+              <a:t>Recursion</a:t>
+            </a:r>
+          </a:p>
+          <a:p>
+            <a:pPr>
+              <a:lnSpc>
+                <a:spcPct val="110000"/>
+              </a:lnSpc>
+            </a:pPr>
+            <a:r>
+              <a:rPr lang="en-US" dirty="0"/>
+              <a:t>There are other methods, some that are especially useful when you want to do some action to an entire dataset, as we are likely to want to do. </a:t>
+            </a:r>
+          </a:p>
+          <a:p>
+            <a:pPr>
+              <a:lnSpc>
+                <a:spcPct val="110000"/>
+              </a:lnSpc>
+            </a:pPr>
+            <a:r>
+              <a:rPr lang="en-US" dirty="0"/>
+              <a:t>Note: this is kind of jumbled, we have a few different ways to do things here that kind of overlap with each other. </a:t>
+            </a:r>
+          </a:p>
+        </p:txBody>
+      </p:sp>
     </p:spTree>
     <p:extLst>
       <p:ext uri="{BB962C8B-B14F-4D97-AF65-F5344CB8AC3E}">

--- a/reference_material/slides/014_bulk_actions.pptx
+++ b/reference_material/slides/014_bulk_actions.pptx
@@ -3699,9 +3699,6 @@
           </a:bodyPr>
           <a:lstStyle/>
           <a:p>
-            <a:endParaRPr lang="en-US" dirty="0"/>
-          </a:p>
-          <a:p>
             <a:r>
               <a:rPr lang="en-US" dirty="0"/>
               <a:t>Today:</a:t>
@@ -3761,7 +3758,19 @@
             <a:pPr lvl="1"/>
             <a:r>
               <a:rPr lang="en-US" dirty="0"/>
-              <a:t>Ideally, read the inheritance chapter in advance. </a:t>
+              <a:t>Ideally, read the inheritance chapter in advance. (P4E 14 – second half. </a:t>
+            </a:r>
+            <a:r>
+              <a:rPr lang="en-US"/>
+              <a:t>TP – ch18)</a:t>
+            </a:r>
+            <a:endParaRPr lang="en-US" dirty="0"/>
+          </a:p>
+          <a:p>
+            <a:pPr lvl="1"/>
+            <a:r>
+              <a:rPr lang="en-US" dirty="0"/>
+              <a:t>I think this kind of ties together the first “half” of the concepts. </a:t>
             </a:r>
           </a:p>
         </p:txBody>
